--- a/files/interspeech-2021.pptx
+++ b/files/interspeech-2021.pptx
@@ -207,7 +207,7 @@
           <a:p>
             <a:fld id="{35F89641-3D10-5349-9904-427D098855CB}" type="datetimeFigureOut">
               <a:rPr lang="en-US" smtClean="0"/>
-              <a:t>8/14/21</a:t>
+              <a:t>9/2/21</a:t>
             </a:fld>
             <a:endParaRPr lang="en-US"/>
           </a:p>
@@ -1545,7 +1545,7 @@
           <a:p>
             <a:fld id="{B790BD64-3155-B144-B189-C8135903F88F}" type="datetimeFigureOut">
               <a:rPr lang="en-US" smtClean="0"/>
-              <a:t>8/14/21</a:t>
+              <a:t>9/2/21</a:t>
             </a:fld>
             <a:endParaRPr lang="en-US"/>
           </a:p>
@@ -1743,7 +1743,7 @@
           <a:p>
             <a:fld id="{B790BD64-3155-B144-B189-C8135903F88F}" type="datetimeFigureOut">
               <a:rPr lang="en-US" smtClean="0"/>
-              <a:t>8/14/21</a:t>
+              <a:t>9/2/21</a:t>
             </a:fld>
             <a:endParaRPr lang="en-US"/>
           </a:p>
@@ -1951,7 +1951,7 @@
           <a:p>
             <a:fld id="{B790BD64-3155-B144-B189-C8135903F88F}" type="datetimeFigureOut">
               <a:rPr lang="en-US" smtClean="0"/>
-              <a:t>8/14/21</a:t>
+              <a:t>9/2/21</a:t>
             </a:fld>
             <a:endParaRPr lang="en-US"/>
           </a:p>
@@ -2149,7 +2149,7 @@
           <a:p>
             <a:fld id="{B790BD64-3155-B144-B189-C8135903F88F}" type="datetimeFigureOut">
               <a:rPr lang="en-US" smtClean="0"/>
-              <a:t>8/14/21</a:t>
+              <a:t>9/2/21</a:t>
             </a:fld>
             <a:endParaRPr lang="en-US"/>
           </a:p>
@@ -2424,7 +2424,7 @@
           <a:p>
             <a:fld id="{B790BD64-3155-B144-B189-C8135903F88F}" type="datetimeFigureOut">
               <a:rPr lang="en-US" smtClean="0"/>
-              <a:t>8/14/21</a:t>
+              <a:t>9/2/21</a:t>
             </a:fld>
             <a:endParaRPr lang="en-US"/>
           </a:p>
@@ -2689,7 +2689,7 @@
           <a:p>
             <a:fld id="{B790BD64-3155-B144-B189-C8135903F88F}" type="datetimeFigureOut">
               <a:rPr lang="en-US" smtClean="0"/>
-              <a:t>8/14/21</a:t>
+              <a:t>9/2/21</a:t>
             </a:fld>
             <a:endParaRPr lang="en-US"/>
           </a:p>
@@ -3101,7 +3101,7 @@
           <a:p>
             <a:fld id="{B790BD64-3155-B144-B189-C8135903F88F}" type="datetimeFigureOut">
               <a:rPr lang="en-US" smtClean="0"/>
-              <a:t>8/14/21</a:t>
+              <a:t>9/2/21</a:t>
             </a:fld>
             <a:endParaRPr lang="en-US"/>
           </a:p>
@@ -3242,7 +3242,7 @@
           <a:p>
             <a:fld id="{B790BD64-3155-B144-B189-C8135903F88F}" type="datetimeFigureOut">
               <a:rPr lang="en-US" smtClean="0"/>
-              <a:t>8/14/21</a:t>
+              <a:t>9/2/21</a:t>
             </a:fld>
             <a:endParaRPr lang="en-US"/>
           </a:p>
@@ -3355,7 +3355,7 @@
           <a:p>
             <a:fld id="{B790BD64-3155-B144-B189-C8135903F88F}" type="datetimeFigureOut">
               <a:rPr lang="en-US" smtClean="0"/>
-              <a:t>8/14/21</a:t>
+              <a:t>9/2/21</a:t>
             </a:fld>
             <a:endParaRPr lang="en-US"/>
           </a:p>
@@ -3666,7 +3666,7 @@
           <a:p>
             <a:fld id="{B790BD64-3155-B144-B189-C8135903F88F}" type="datetimeFigureOut">
               <a:rPr lang="en-US" smtClean="0"/>
-              <a:t>8/14/21</a:t>
+              <a:t>9/2/21</a:t>
             </a:fld>
             <a:endParaRPr lang="en-US"/>
           </a:p>
@@ -3954,7 +3954,7 @@
           <a:p>
             <a:fld id="{B790BD64-3155-B144-B189-C8135903F88F}" type="datetimeFigureOut">
               <a:rPr lang="en-US" smtClean="0"/>
-              <a:t>8/14/21</a:t>
+              <a:t>9/2/21</a:t>
             </a:fld>
             <a:endParaRPr lang="en-US"/>
           </a:p>
@@ -4195,7 +4195,7 @@
           <a:p>
             <a:fld id="{B790BD64-3155-B144-B189-C8135903F88F}" type="datetimeFigureOut">
               <a:rPr lang="en-US" smtClean="0"/>
-              <a:t>8/14/21</a:t>
+              <a:t>9/2/21</a:t>
             </a:fld>
             <a:endParaRPr lang="en-US"/>
           </a:p>
